--- a/aspnetcore/slides/01_dotnetcore.pptx
+++ b/aspnetcore/slides/01_dotnetcore.pptx
@@ -3351,7 +3351,7 @@
               <a:pPr>
                 <a:defRPr/>
               </a:pPr>
-              <a:t>10/19/2018</a:t>
+              <a:t>8/28/2019</a:t>
             </a:fld>
             <a:endParaRPr lang="en-US"/>
           </a:p>
@@ -4163,6 +4163,96 @@
     <p:extLst>
       <p:ext uri="{BB962C8B-B14F-4D97-AF65-F5344CB8AC3E}">
         <p14:creationId xmlns:p14="http://schemas.microsoft.com/office/powerpoint/2010/main" val="136772838"/>
+      </p:ext>
+    </p:extLst>
+  </p:cSld>
+  <p:clrMapOvr>
+    <a:masterClrMapping/>
+  </p:clrMapOvr>
+</p:notes>
+</file>
+
+<file path=ppt/notesSlides/notesSlide4.xml><?xml version="1.0" encoding="utf-8"?>
+<p:notes xmlns:a="http://schemas.openxmlformats.org/drawingml/2006/main" xmlns:r="http://schemas.openxmlformats.org/officeDocument/2006/relationships" xmlns:p="http://schemas.openxmlformats.org/presentationml/2006/main">
+  <p:cSld>
+    <p:spTree>
+      <p:nvGrpSpPr>
+        <p:cNvPr id="1" name=""/>
+        <p:cNvGrpSpPr/>
+        <p:nvPr/>
+      </p:nvGrpSpPr>
+      <p:grpSpPr>
+        <a:xfrm>
+          <a:off x="0" y="0"/>
+          <a:ext cx="0" cy="0"/>
+          <a:chOff x="0" y="0"/>
+          <a:chExt cx="0" cy="0"/>
+        </a:xfrm>
+      </p:grpSpPr>
+      <p:sp>
+        <p:nvSpPr>
+          <p:cNvPr id="2" name="Slide Image Placeholder 1"/>
+          <p:cNvSpPr>
+            <a:spLocks noGrp="1" noRot="1" noChangeAspect="1"/>
+          </p:cNvSpPr>
+          <p:nvPr>
+            <p:ph type="sldImg"/>
+          </p:nvPr>
+        </p:nvSpPr>
+        <p:spPr/>
+      </p:sp>
+      <p:sp>
+        <p:nvSpPr>
+          <p:cNvPr id="3" name="Notes Placeholder 2"/>
+          <p:cNvSpPr>
+            <a:spLocks noGrp="1"/>
+          </p:cNvSpPr>
+          <p:nvPr>
+            <p:ph type="body" idx="1"/>
+          </p:nvPr>
+        </p:nvSpPr>
+        <p:spPr/>
+        <p:txBody>
+          <a:bodyPr/>
+          <a:lstStyle/>
+          <a:p>
+            <a:endParaRPr lang="en-US" dirty="0"/>
+          </a:p>
+        </p:txBody>
+      </p:sp>
+      <p:sp>
+        <p:nvSpPr>
+          <p:cNvPr id="4" name="Slide Number Placeholder 3"/>
+          <p:cNvSpPr>
+            <a:spLocks noGrp="1"/>
+          </p:cNvSpPr>
+          <p:nvPr>
+            <p:ph type="sldNum" sz="quarter" idx="5"/>
+          </p:nvPr>
+        </p:nvSpPr>
+        <p:spPr/>
+        <p:txBody>
+          <a:bodyPr/>
+          <a:lstStyle/>
+          <a:p>
+            <a:pPr>
+              <a:defRPr/>
+            </a:pPr>
+            <a:fld id="{11D29CD3-EA91-4B07-8041-33A63E8C46BA}" type="slidenum">
+              <a:rPr lang="en-US" smtClean="0"/>
+              <a:pPr>
+                <a:defRPr/>
+              </a:pPr>
+              <a:t>13</a:t>
+            </a:fld>
+            <a:endParaRPr lang="en-US"/>
+          </a:p>
+        </p:txBody>
+      </p:sp>
+    </p:spTree>
+    <p:extLst>
+      <p:ext uri="{BB962C8B-B14F-4D97-AF65-F5344CB8AC3E}">
+        <p14:creationId xmlns:p14="http://schemas.microsoft.com/office/powerpoint/2010/main" val="3944379854"/>
       </p:ext>
     </p:extLst>
   </p:cSld>
@@ -6850,7 +6940,7 @@
           <a:p>
             <a:r>
               <a:rPr lang="en-US" dirty="0"/>
-              <a:t>Packages &amp; Metapackages</a:t>
+              <a:t>SDKs, Packages, Metapackages</a:t>
             </a:r>
           </a:p>
         </p:txBody>
@@ -6871,21 +6961,26 @@
             <p:ph type="body" idx="1"/>
           </p:nvPr>
         </p:nvSpPr>
-        <p:spPr/>
+        <p:spPr>
+          <a:xfrm>
+            <a:off x="457200" y="3505200"/>
+            <a:ext cx="8229600" cy="2438400"/>
+          </a:xfrm>
+        </p:spPr>
         <p:txBody>
           <a:bodyPr/>
           <a:lstStyle/>
           <a:p>
-            <a:endParaRPr lang="en-US"/>
+            <a:endParaRPr lang="en-US" dirty="0"/>
           </a:p>
         </p:txBody>
       </p:sp>
       <p:pic>
         <p:nvPicPr>
-          <p:cNvPr id="4" name="Picture 3">
+          <p:cNvPr id="6" name="Picture 5">
             <a:extLst>
               <a:ext uri="{FF2B5EF4-FFF2-40B4-BE49-F238E27FC236}">
-                <a16:creationId xmlns:a16="http://schemas.microsoft.com/office/drawing/2014/main" id="{9D6FE8CE-4A25-4737-997C-1FC1ED367FB9}"/>
+                <a16:creationId xmlns:a16="http://schemas.microsoft.com/office/drawing/2014/main" id="{9F903C5D-025A-4307-8574-9D012FDA168E}"/>
               </a:ext>
             </a:extLst>
           </p:cNvPr>
@@ -6902,8 +6997,8 @@
         </p:blipFill>
         <p:spPr>
           <a:xfrm>
-            <a:off x="457200" y="1752600"/>
-            <a:ext cx="8151364" cy="3123576"/>
+            <a:off x="1409537" y="2174810"/>
+            <a:ext cx="6324925" cy="2508379"/>
           </a:xfrm>
           <a:prstGeom prst="rect">
             <a:avLst/>
@@ -7014,7 +7109,7 @@
           <p:nvPr/>
         </p:nvPicPr>
         <p:blipFill>
-          <a:blip r:embed="rId2"/>
+          <a:blip r:embed="rId3"/>
           <a:stretch>
             <a:fillRect/>
           </a:stretch>
@@ -8795,10 +8890,10 @@
       </p:sp>
       <p:pic>
         <p:nvPicPr>
-          <p:cNvPr id="4" name="Picture 3">
+          <p:cNvPr id="3" name="Picture 2">
             <a:extLst>
               <a:ext uri="{FF2B5EF4-FFF2-40B4-BE49-F238E27FC236}">
-                <a16:creationId xmlns:a16="http://schemas.microsoft.com/office/drawing/2014/main" id="{FB55334E-937F-4002-9501-43EB699915A4}"/>
+                <a16:creationId xmlns:a16="http://schemas.microsoft.com/office/drawing/2014/main" id="{823F7AF9-4A19-43AE-9CDC-75F3453D1D45}"/>
               </a:ext>
             </a:extLst>
           </p:cNvPr>
@@ -8815,8 +8910,8 @@
         </p:blipFill>
         <p:spPr>
           <a:xfrm>
-            <a:off x="1238250" y="2176462"/>
-            <a:ext cx="6667500" cy="2505075"/>
+            <a:off x="1609573" y="2797142"/>
+            <a:ext cx="5924854" cy="1263715"/>
           </a:xfrm>
           <a:prstGeom prst="rect">
             <a:avLst/>
